--- a/Lect6.pptx
+++ b/Lect6.pptx
@@ -24,6 +24,13 @@
     <p:sldId id="274" r:id="rId18"/>
     <p:sldId id="271" r:id="rId19"/>
     <p:sldId id="272" r:id="rId20"/>
+    <p:sldId id="275" r:id="rId21"/>
+    <p:sldId id="276" r:id="rId22"/>
+    <p:sldId id="277" r:id="rId23"/>
+    <p:sldId id="278" r:id="rId24"/>
+    <p:sldId id="279" r:id="rId25"/>
+    <p:sldId id="280" r:id="rId26"/>
+    <p:sldId id="281" r:id="rId27"/>
   </p:sldIdLst>
   <p:sldSz cx="12192000" cy="6858000"/>
   <p:notesSz cx="6858000" cy="9144000"/>
@@ -6196,13 +6203,7 @@
                       <a:rPr lang="en-US" i="1" dirty="0">
                         <a:latin typeface="Cambria Math" panose="02040503050406030204" pitchFamily="18" charset="0"/>
                       </a:rPr>
-                      <m:t>=</m:t>
-                    </m:r>
-                    <m:r>
-                      <a:rPr lang="en-US" i="1" dirty="0">
-                        <a:latin typeface="Cambria Math" panose="02040503050406030204" pitchFamily="18" charset="0"/>
-                      </a:rPr>
-                      <m:t>1</m:t>
+                      <m:t>=1</m:t>
                     </m:r>
                   </m:oMath>
                 </a14:m>
@@ -7047,19 +7048,7 @@
                       <a:rPr lang="en-US" i="1" dirty="0" smtClean="0">
                         <a:latin typeface="Cambria Math" panose="02040503050406030204" pitchFamily="18" charset="0"/>
                       </a:rPr>
-                      <m:t>=</m:t>
-                    </m:r>
-                    <m:r>
-                      <a:rPr lang="en-US" i="1" dirty="0" smtClean="0">
-                        <a:latin typeface="Cambria Math" panose="02040503050406030204" pitchFamily="18" charset="0"/>
-                      </a:rPr>
-                      <m:t>1</m:t>
-                    </m:r>
-                    <m:r>
-                      <a:rPr lang="en-US" i="1" dirty="0" smtClean="0">
-                        <a:latin typeface="Cambria Math" panose="02040503050406030204" pitchFamily="18" charset="0"/>
-                      </a:rPr>
-                      <m:t>,</m:t>
+                      <m:t>=1,</m:t>
                     </m:r>
                     <m:nary>
                       <m:naryPr>
@@ -7136,13 +7125,7 @@
                       <a:rPr lang="en-US" i="1" dirty="0" smtClean="0">
                         <a:latin typeface="Cambria Math" panose="02040503050406030204" pitchFamily="18" charset="0"/>
                       </a:rPr>
-                      <m:t>=</m:t>
-                    </m:r>
-                    <m:r>
-                      <a:rPr lang="en-US" i="1" dirty="0" smtClean="0">
-                        <a:latin typeface="Cambria Math" panose="02040503050406030204" pitchFamily="18" charset="0"/>
-                      </a:rPr>
-                      <m:t>1</m:t>
+                      <m:t>=1</m:t>
                     </m:r>
                   </m:oMath>
                 </a14:m>
@@ -9486,8 +9469,8 @@
           </a:p>
         </p:txBody>
       </p:sp>
-      <mc:AlternateContent xmlns:mc="http://schemas.openxmlformats.org/markup-compatibility/2006">
-        <mc:Choice xmlns:a14="http://schemas.microsoft.com/office/drawing/2010/main" Requires="a14">
+      <mc:AlternateContent xmlns:mc="http://schemas.openxmlformats.org/markup-compatibility/2006" xmlns:a14="http://schemas.microsoft.com/office/drawing/2010/main">
+        <mc:Choice Requires="a14">
           <p:sp>
             <p:nvSpPr>
               <p:cNvPr id="3" name="Объект 2"/>
@@ -10011,7 +9994,7 @@
             </p:txBody>
           </p:sp>
         </mc:Choice>
-        <mc:Fallback>
+        <mc:Fallback xmlns="">
           <p:sp>
             <p:nvSpPr>
               <p:cNvPr id="3" name="Объект 2"/>
@@ -12009,6 +11992,1717 @@
     <p:extLst>
       <p:ext uri="{BB962C8B-B14F-4D97-AF65-F5344CB8AC3E}">
         <p14:creationId xmlns:p14="http://schemas.microsoft.com/office/powerpoint/2010/main" val="2922637788"/>
+      </p:ext>
+    </p:extLst>
+  </p:cSld>
+  <p:clrMapOvr>
+    <a:masterClrMapping/>
+  </p:clrMapOvr>
+</p:sld>
+</file>
+
+<file path=ppt/slides/slide20.xml><?xml version="1.0" encoding="utf-8"?>
+<p:sld xmlns:a="http://schemas.openxmlformats.org/drawingml/2006/main" xmlns:r="http://schemas.openxmlformats.org/officeDocument/2006/relationships" xmlns:p="http://schemas.openxmlformats.org/presentationml/2006/main">
+  <p:cSld>
+    <p:spTree>
+      <p:nvGrpSpPr>
+        <p:cNvPr id="1" name=""/>
+        <p:cNvGrpSpPr/>
+        <p:nvPr/>
+      </p:nvGrpSpPr>
+      <p:grpSpPr>
+        <a:xfrm>
+          <a:off x="0" y="0"/>
+          <a:ext cx="0" cy="0"/>
+          <a:chOff x="0" y="0"/>
+          <a:chExt cx="0" cy="0"/>
+        </a:xfrm>
+      </p:grpSpPr>
+      <p:sp>
+        <p:nvSpPr>
+          <p:cNvPr id="2" name="Заголовок 1"/>
+          <p:cNvSpPr>
+            <a:spLocks noGrp="1"/>
+          </p:cNvSpPr>
+          <p:nvPr>
+            <p:ph type="title"/>
+          </p:nvPr>
+        </p:nvSpPr>
+        <p:spPr/>
+        <p:txBody>
+          <a:bodyPr/>
+          <a:lstStyle/>
+          <a:p>
+            <a:r>
+              <a:rPr lang="ru-RU" dirty="0" err="1" smtClean="0"/>
+              <a:t>Генетичний</a:t>
+            </a:r>
+            <a:r>
+              <a:rPr lang="ru-RU" dirty="0" smtClean="0"/>
+              <a:t> </a:t>
+            </a:r>
+            <a:r>
+              <a:rPr lang="ru-RU" dirty="0"/>
+              <a:t>алгоритм для </a:t>
+            </a:r>
+            <a:r>
+              <a:rPr lang="en-US" dirty="0"/>
+              <a:t>VRP</a:t>
+            </a:r>
+          </a:p>
+        </p:txBody>
+      </p:sp>
+      <p:sp>
+        <p:nvSpPr>
+          <p:cNvPr id="3" name="Объект 2"/>
+          <p:cNvSpPr>
+            <a:spLocks noGrp="1"/>
+          </p:cNvSpPr>
+          <p:nvPr>
+            <p:ph idx="1"/>
+          </p:nvPr>
+        </p:nvSpPr>
+        <p:spPr/>
+        <p:txBody>
+          <a:bodyPr/>
+          <a:lstStyle/>
+          <a:p>
+            <a:r>
+              <a:rPr lang="ru-RU" dirty="0" err="1"/>
+              <a:t>Генетичні</a:t>
+            </a:r>
+            <a:r>
+              <a:rPr lang="ru-RU" dirty="0"/>
+              <a:t> </a:t>
+            </a:r>
+            <a:r>
+              <a:rPr lang="ru-RU" dirty="0" err="1"/>
+              <a:t>алгоритми</a:t>
+            </a:r>
+            <a:r>
+              <a:rPr lang="ru-RU" dirty="0"/>
+              <a:t> (</a:t>
+            </a:r>
+            <a:r>
+              <a:rPr lang="en-US" dirty="0"/>
+              <a:t>GA) </a:t>
+            </a:r>
+            <a:r>
+              <a:rPr lang="ru-RU" dirty="0"/>
+              <a:t>добре </a:t>
+            </a:r>
+            <a:r>
+              <a:rPr lang="ru-RU" dirty="0" err="1"/>
+              <a:t>підходять</a:t>
+            </a:r>
+            <a:r>
+              <a:rPr lang="ru-RU" dirty="0"/>
+              <a:t> для </a:t>
+            </a:r>
+            <a:r>
+              <a:rPr lang="ru-RU" b="1" dirty="0" err="1"/>
+              <a:t>задачі</a:t>
+            </a:r>
+            <a:r>
+              <a:rPr lang="ru-RU" b="1" dirty="0"/>
+              <a:t> </a:t>
+            </a:r>
+            <a:r>
+              <a:rPr lang="ru-RU" b="1" dirty="0" err="1"/>
+              <a:t>маршрутизації</a:t>
+            </a:r>
+            <a:r>
+              <a:rPr lang="ru-RU" b="1" dirty="0"/>
+              <a:t> </a:t>
+            </a:r>
+            <a:r>
+              <a:rPr lang="ru-RU" b="1" dirty="0" err="1"/>
+              <a:t>транспортних</a:t>
+            </a:r>
+            <a:r>
+              <a:rPr lang="ru-RU" b="1" dirty="0"/>
+              <a:t> </a:t>
+            </a:r>
+            <a:r>
+              <a:rPr lang="ru-RU" b="1" dirty="0" err="1"/>
+              <a:t>засобів</a:t>
+            </a:r>
+            <a:r>
+              <a:rPr lang="ru-RU" b="1" dirty="0"/>
+              <a:t> (</a:t>
+            </a:r>
+            <a:r>
+              <a:rPr lang="en-US" b="1" dirty="0"/>
+              <a:t>VRP)</a:t>
+            </a:r>
+            <a:r>
+              <a:rPr lang="en-US" dirty="0"/>
+              <a:t>, </a:t>
+            </a:r>
+            <a:r>
+              <a:rPr lang="ru-RU" dirty="0" err="1"/>
+              <a:t>оскільки</a:t>
+            </a:r>
+            <a:r>
+              <a:rPr lang="ru-RU" dirty="0"/>
+              <a:t> вони </a:t>
+            </a:r>
+            <a:r>
+              <a:rPr lang="ru-RU" dirty="0" err="1"/>
+              <a:t>дозволяють</a:t>
+            </a:r>
+            <a:r>
+              <a:rPr lang="ru-RU" dirty="0"/>
+              <a:t> </a:t>
+            </a:r>
+            <a:r>
+              <a:rPr lang="ru-RU" dirty="0" err="1"/>
+              <a:t>знаходити</a:t>
+            </a:r>
+            <a:r>
+              <a:rPr lang="ru-RU" dirty="0"/>
+              <a:t> </a:t>
+            </a:r>
+            <a:r>
+              <a:rPr lang="ru-RU" b="1" dirty="0" err="1"/>
+              <a:t>близькі</a:t>
+            </a:r>
+            <a:r>
+              <a:rPr lang="ru-RU" b="1" dirty="0"/>
+              <a:t> до </a:t>
+            </a:r>
+            <a:r>
+              <a:rPr lang="ru-RU" b="1" dirty="0" err="1"/>
+              <a:t>оптимальних</a:t>
+            </a:r>
+            <a:r>
+              <a:rPr lang="ru-RU" b="1" dirty="0"/>
+              <a:t> </a:t>
+            </a:r>
+            <a:r>
+              <a:rPr lang="ru-RU" b="1" dirty="0" err="1"/>
+              <a:t>розв’язки</a:t>
+            </a:r>
+            <a:r>
+              <a:rPr lang="ru-RU" dirty="0"/>
+              <a:t> для </a:t>
+            </a:r>
+            <a:r>
+              <a:rPr lang="ru-RU" dirty="0" err="1"/>
+              <a:t>складних</a:t>
+            </a:r>
+            <a:r>
+              <a:rPr lang="ru-RU" dirty="0"/>
+              <a:t> </a:t>
+            </a:r>
+            <a:r>
+              <a:rPr lang="ru-RU" dirty="0" err="1"/>
+              <a:t>комбінаційних</a:t>
+            </a:r>
+            <a:r>
+              <a:rPr lang="ru-RU" dirty="0"/>
+              <a:t> задач.</a:t>
+            </a:r>
+          </a:p>
+          <a:p>
+            <a:r>
+              <a:rPr lang="ru-RU" b="1" dirty="0" err="1" smtClean="0"/>
+              <a:t>Основна</a:t>
+            </a:r>
+            <a:r>
+              <a:rPr lang="ru-RU" b="1" dirty="0" smtClean="0"/>
+              <a:t> </a:t>
+            </a:r>
+            <a:r>
+              <a:rPr lang="ru-RU" b="1" dirty="0" err="1"/>
+              <a:t>ідея</a:t>
+            </a:r>
+            <a:r>
+              <a:rPr lang="ru-RU" b="1" dirty="0"/>
+              <a:t>:</a:t>
+            </a:r>
+            <a:r>
+              <a:rPr lang="ru-RU" dirty="0"/>
+              <a:t/>
+            </a:r>
+            <a:br>
+              <a:rPr lang="ru-RU" dirty="0"/>
+            </a:br>
+            <a:r>
+              <a:rPr lang="en-US" dirty="0"/>
+              <a:t>GA </a:t>
+            </a:r>
+            <a:r>
+              <a:rPr lang="ru-RU" dirty="0" err="1"/>
+              <a:t>імітує</a:t>
+            </a:r>
+            <a:r>
+              <a:rPr lang="ru-RU" dirty="0"/>
+              <a:t> </a:t>
+            </a:r>
+            <a:r>
+              <a:rPr lang="ru-RU" b="1" dirty="0" err="1"/>
+              <a:t>процес</a:t>
+            </a:r>
+            <a:r>
+              <a:rPr lang="ru-RU" b="1" dirty="0"/>
+              <a:t> природного </a:t>
+            </a:r>
+            <a:r>
+              <a:rPr lang="ru-RU" b="1" dirty="0" err="1"/>
+              <a:t>відбору</a:t>
+            </a:r>
+            <a:r>
+              <a:rPr lang="ru-RU" dirty="0"/>
+              <a:t>, </a:t>
+            </a:r>
+            <a:r>
+              <a:rPr lang="ru-RU" dirty="0" err="1"/>
+              <a:t>використовуючи</a:t>
+            </a:r>
+            <a:r>
+              <a:rPr lang="ru-RU" dirty="0"/>
+              <a:t> </a:t>
+            </a:r>
+            <a:r>
+              <a:rPr lang="ru-RU" b="1" dirty="0" err="1"/>
+              <a:t>популяцію</a:t>
+            </a:r>
+            <a:r>
+              <a:rPr lang="ru-RU" b="1" dirty="0"/>
+              <a:t> </a:t>
+            </a:r>
+            <a:r>
+              <a:rPr lang="ru-RU" b="1" dirty="0" err="1"/>
+              <a:t>рішень</a:t>
+            </a:r>
+            <a:r>
+              <a:rPr lang="ru-RU" dirty="0"/>
+              <a:t>, </a:t>
+            </a:r>
+            <a:r>
+              <a:rPr lang="ru-RU" dirty="0" err="1"/>
+              <a:t>які</a:t>
+            </a:r>
+            <a:r>
+              <a:rPr lang="ru-RU" dirty="0"/>
+              <a:t> </a:t>
+            </a:r>
+            <a:r>
+              <a:rPr lang="ru-RU" dirty="0" err="1"/>
+              <a:t>поступово</a:t>
+            </a:r>
+            <a:r>
+              <a:rPr lang="ru-RU" dirty="0"/>
+              <a:t> </a:t>
+            </a:r>
+            <a:r>
+              <a:rPr lang="ru-RU" dirty="0" err="1"/>
+              <a:t>покращуються</a:t>
+            </a:r>
+            <a:r>
+              <a:rPr lang="ru-RU" dirty="0"/>
+              <a:t> через </a:t>
+            </a:r>
+            <a:r>
+              <a:rPr lang="ru-RU" dirty="0" err="1"/>
+              <a:t>операції</a:t>
+            </a:r>
+            <a:r>
+              <a:rPr lang="ru-RU" dirty="0"/>
+              <a:t> </a:t>
+            </a:r>
+            <a:r>
+              <a:rPr lang="ru-RU" b="1" dirty="0" err="1"/>
+              <a:t>селекції</a:t>
+            </a:r>
+            <a:r>
+              <a:rPr lang="ru-RU" b="1" dirty="0"/>
+              <a:t>, </a:t>
+            </a:r>
+            <a:r>
+              <a:rPr lang="ru-RU" b="1" dirty="0" err="1"/>
+              <a:t>кросоверу</a:t>
+            </a:r>
+            <a:r>
+              <a:rPr lang="ru-RU" b="1" dirty="0"/>
+              <a:t> та </a:t>
+            </a:r>
+            <a:r>
+              <a:rPr lang="ru-RU" b="1" dirty="0" err="1"/>
+              <a:t>мутації</a:t>
+            </a:r>
+            <a:r>
+              <a:rPr lang="ru-RU" dirty="0"/>
+              <a:t>.</a:t>
+            </a:r>
+          </a:p>
+          <a:p>
+            <a:endParaRPr lang="en-US" dirty="0"/>
+          </a:p>
+        </p:txBody>
+      </p:sp>
+    </p:spTree>
+    <p:extLst>
+      <p:ext uri="{BB962C8B-B14F-4D97-AF65-F5344CB8AC3E}">
+        <p14:creationId xmlns:p14="http://schemas.microsoft.com/office/powerpoint/2010/main" val="531794992"/>
+      </p:ext>
+    </p:extLst>
+  </p:cSld>
+  <p:clrMapOvr>
+    <a:masterClrMapping/>
+  </p:clrMapOvr>
+</p:sld>
+</file>
+
+<file path=ppt/slides/slide21.xml><?xml version="1.0" encoding="utf-8"?>
+<p:sld xmlns:a="http://schemas.openxmlformats.org/drawingml/2006/main" xmlns:r="http://schemas.openxmlformats.org/officeDocument/2006/relationships" xmlns:p="http://schemas.openxmlformats.org/presentationml/2006/main">
+  <p:cSld>
+    <p:spTree>
+      <p:nvGrpSpPr>
+        <p:cNvPr id="1" name=""/>
+        <p:cNvGrpSpPr/>
+        <p:nvPr/>
+      </p:nvGrpSpPr>
+      <p:grpSpPr>
+        <a:xfrm>
+          <a:off x="0" y="0"/>
+          <a:ext cx="0" cy="0"/>
+          <a:chOff x="0" y="0"/>
+          <a:chExt cx="0" cy="0"/>
+        </a:xfrm>
+      </p:grpSpPr>
+      <p:sp>
+        <p:nvSpPr>
+          <p:cNvPr id="2" name="Заголовок 1"/>
+          <p:cNvSpPr>
+            <a:spLocks noGrp="1"/>
+          </p:cNvSpPr>
+          <p:nvPr>
+            <p:ph type="title"/>
+          </p:nvPr>
+        </p:nvSpPr>
+        <p:spPr/>
+        <p:txBody>
+          <a:bodyPr>
+            <a:normAutofit/>
+          </a:bodyPr>
+          <a:lstStyle/>
+          <a:p>
+            <a:r>
+              <a:rPr lang="ru-RU" b="1" dirty="0"/>
+              <a:t>Структура </a:t>
+            </a:r>
+            <a:r>
+              <a:rPr lang="ru-RU" b="1" dirty="0" smtClean="0"/>
+              <a:t>алгоритму</a:t>
+            </a:r>
+            <a:endParaRPr lang="en-US" dirty="0"/>
+          </a:p>
+        </p:txBody>
+      </p:sp>
+      <p:sp>
+        <p:nvSpPr>
+          <p:cNvPr id="3" name="Объект 2"/>
+          <p:cNvSpPr>
+            <a:spLocks noGrp="1"/>
+          </p:cNvSpPr>
+          <p:nvPr>
+            <p:ph idx="1"/>
+          </p:nvPr>
+        </p:nvSpPr>
+        <p:spPr/>
+        <p:txBody>
+          <a:bodyPr/>
+          <a:lstStyle/>
+          <a:p>
+            <a:r>
+              <a:rPr lang="ru-RU" b="1" dirty="0" err="1"/>
+              <a:t>Кодування</a:t>
+            </a:r>
+            <a:r>
+              <a:rPr lang="ru-RU" b="1" dirty="0"/>
+              <a:t> хромосом:</a:t>
+            </a:r>
+            <a:endParaRPr lang="ru-RU" dirty="0"/>
+          </a:p>
+          <a:p>
+            <a:r>
+              <a:rPr lang="ru-RU" dirty="0" err="1"/>
+              <a:t>Кожен</a:t>
+            </a:r>
+            <a:r>
+              <a:rPr lang="ru-RU" dirty="0"/>
+              <a:t> маршрут </a:t>
+            </a:r>
+            <a:r>
+              <a:rPr lang="ru-RU" dirty="0" err="1"/>
+              <a:t>кодується</a:t>
+            </a:r>
+            <a:r>
+              <a:rPr lang="ru-RU" dirty="0"/>
+              <a:t> як </a:t>
+            </a:r>
+            <a:r>
+              <a:rPr lang="ru-RU" b="1" dirty="0" err="1"/>
+              <a:t>послідовність</a:t>
+            </a:r>
+            <a:r>
+              <a:rPr lang="ru-RU" b="1" dirty="0"/>
+              <a:t> </a:t>
+            </a:r>
+            <a:r>
+              <a:rPr lang="ru-RU" b="1" dirty="0" err="1"/>
+              <a:t>клієнтів</a:t>
+            </a:r>
+            <a:r>
+              <a:rPr lang="ru-RU" dirty="0"/>
+              <a:t> (</a:t>
+            </a:r>
+            <a:r>
+              <a:rPr lang="ru-RU" dirty="0" err="1"/>
+              <a:t>розбитих</a:t>
+            </a:r>
+            <a:r>
+              <a:rPr lang="ru-RU" dirty="0"/>
+              <a:t> на </a:t>
+            </a:r>
+            <a:r>
+              <a:rPr lang="ru-RU" dirty="0" err="1"/>
+              <a:t>підмаршрути</a:t>
+            </a:r>
+            <a:r>
+              <a:rPr lang="ru-RU" dirty="0"/>
+              <a:t> для </a:t>
+            </a:r>
+            <a:r>
+              <a:rPr lang="ru-RU" dirty="0" err="1"/>
+              <a:t>кожної</a:t>
+            </a:r>
+            <a:r>
+              <a:rPr lang="ru-RU" dirty="0"/>
+              <a:t> </a:t>
+            </a:r>
+            <a:r>
+              <a:rPr lang="ru-RU" dirty="0" err="1"/>
+              <a:t>машини</a:t>
+            </a:r>
+            <a:r>
+              <a:rPr lang="ru-RU" dirty="0"/>
+              <a:t>).</a:t>
+            </a:r>
+          </a:p>
+          <a:p>
+            <a:r>
+              <a:rPr lang="ru-RU" dirty="0" err="1"/>
+              <a:t>Можливі</a:t>
+            </a:r>
+            <a:r>
+              <a:rPr lang="ru-RU" dirty="0"/>
+              <a:t> два </a:t>
+            </a:r>
+            <a:r>
+              <a:rPr lang="ru-RU" dirty="0" err="1"/>
+              <a:t>типи</a:t>
+            </a:r>
+            <a:r>
+              <a:rPr lang="ru-RU" dirty="0"/>
+              <a:t> </a:t>
+            </a:r>
+            <a:r>
+              <a:rPr lang="ru-RU" dirty="0" err="1"/>
+              <a:t>представлення</a:t>
+            </a:r>
+            <a:r>
+              <a:rPr lang="ru-RU" dirty="0"/>
+              <a:t>:</a:t>
+            </a:r>
+          </a:p>
+          <a:p>
+            <a:pPr lvl="1"/>
+            <a:r>
+              <a:rPr lang="ru-RU" b="1" dirty="0" err="1"/>
+              <a:t>Прямий</a:t>
+            </a:r>
+            <a:r>
+              <a:rPr lang="ru-RU" b="1" dirty="0"/>
+              <a:t> код (</a:t>
+            </a:r>
+            <a:r>
+              <a:rPr lang="en-US" b="1" dirty="0"/>
+              <a:t>Permutations)</a:t>
+            </a:r>
+            <a:r>
+              <a:rPr lang="en-US" dirty="0"/>
+              <a:t> – </a:t>
+            </a:r>
+            <a:r>
+              <a:rPr lang="ru-RU" dirty="0"/>
+              <a:t>список </a:t>
+            </a:r>
+            <a:r>
+              <a:rPr lang="ru-RU" dirty="0" err="1"/>
+              <a:t>номерів</a:t>
+            </a:r>
+            <a:r>
+              <a:rPr lang="ru-RU" dirty="0"/>
+              <a:t> </a:t>
+            </a:r>
+            <a:r>
+              <a:rPr lang="ru-RU" dirty="0" err="1"/>
+              <a:t>клієнтів</a:t>
+            </a:r>
+            <a:r>
+              <a:rPr lang="ru-RU" dirty="0"/>
+              <a:t>.</a:t>
+            </a:r>
+          </a:p>
+          <a:p>
+            <a:pPr lvl="1"/>
+            <a:r>
+              <a:rPr lang="ru-RU" b="1" dirty="0" err="1"/>
+              <a:t>Розділене</a:t>
+            </a:r>
+            <a:r>
+              <a:rPr lang="ru-RU" b="1" dirty="0"/>
+              <a:t> </a:t>
+            </a:r>
+            <a:r>
+              <a:rPr lang="ru-RU" b="1" dirty="0" err="1"/>
+              <a:t>представлення</a:t>
+            </a:r>
+            <a:r>
+              <a:rPr lang="ru-RU" b="1" dirty="0"/>
+              <a:t> (</a:t>
+            </a:r>
+            <a:r>
+              <a:rPr lang="en-US" b="1" dirty="0"/>
+              <a:t>Split Representation)</a:t>
+            </a:r>
+            <a:r>
+              <a:rPr lang="en-US" dirty="0"/>
+              <a:t> – </a:t>
+            </a:r>
+            <a:r>
+              <a:rPr lang="ru-RU" dirty="0" err="1"/>
+              <a:t>маршрути</a:t>
+            </a:r>
+            <a:r>
+              <a:rPr lang="ru-RU" dirty="0"/>
+              <a:t> </a:t>
+            </a:r>
+            <a:r>
+              <a:rPr lang="ru-RU" dirty="0" err="1"/>
+              <a:t>розділені</a:t>
+            </a:r>
+            <a:r>
+              <a:rPr lang="ru-RU" dirty="0"/>
+              <a:t> </a:t>
+            </a:r>
+            <a:r>
+              <a:rPr lang="ru-RU" dirty="0" err="1"/>
+              <a:t>спеціальними</a:t>
+            </a:r>
+            <a:r>
+              <a:rPr lang="ru-RU" dirty="0"/>
+              <a:t> маркерами для машин.</a:t>
+            </a:r>
+          </a:p>
+          <a:p>
+            <a:endParaRPr lang="en-US" dirty="0"/>
+          </a:p>
+        </p:txBody>
+      </p:sp>
+    </p:spTree>
+    <p:extLst>
+      <p:ext uri="{BB962C8B-B14F-4D97-AF65-F5344CB8AC3E}">
+        <p14:creationId xmlns:p14="http://schemas.microsoft.com/office/powerpoint/2010/main" val="3673480353"/>
+      </p:ext>
+    </p:extLst>
+  </p:cSld>
+  <p:clrMapOvr>
+    <a:masterClrMapping/>
+  </p:clrMapOvr>
+</p:sld>
+</file>
+
+<file path=ppt/slides/slide22.xml><?xml version="1.0" encoding="utf-8"?>
+<p:sld xmlns:a="http://schemas.openxmlformats.org/drawingml/2006/main" xmlns:r="http://schemas.openxmlformats.org/officeDocument/2006/relationships" xmlns:p="http://schemas.openxmlformats.org/presentationml/2006/main">
+  <p:cSld>
+    <p:spTree>
+      <p:nvGrpSpPr>
+        <p:cNvPr id="1" name=""/>
+        <p:cNvGrpSpPr/>
+        <p:nvPr/>
+      </p:nvGrpSpPr>
+      <p:grpSpPr>
+        <a:xfrm>
+          <a:off x="0" y="0"/>
+          <a:ext cx="0" cy="0"/>
+          <a:chOff x="0" y="0"/>
+          <a:chExt cx="0" cy="0"/>
+        </a:xfrm>
+      </p:grpSpPr>
+      <p:sp>
+        <p:nvSpPr>
+          <p:cNvPr id="2" name="Заголовок 1"/>
+          <p:cNvSpPr>
+            <a:spLocks noGrp="1"/>
+          </p:cNvSpPr>
+          <p:nvPr>
+            <p:ph type="title"/>
+          </p:nvPr>
+        </p:nvSpPr>
+        <p:spPr/>
+        <p:txBody>
+          <a:bodyPr/>
+          <a:lstStyle/>
+          <a:p>
+            <a:r>
+              <a:rPr lang="uk-UA" dirty="0" smtClean="0"/>
+              <a:t>Ініціалізація</a:t>
+            </a:r>
+            <a:endParaRPr lang="en-US" dirty="0"/>
+          </a:p>
+        </p:txBody>
+      </p:sp>
+      <p:sp>
+        <p:nvSpPr>
+          <p:cNvPr id="3" name="Объект 2"/>
+          <p:cNvSpPr>
+            <a:spLocks noGrp="1"/>
+          </p:cNvSpPr>
+          <p:nvPr>
+            <p:ph idx="1"/>
+          </p:nvPr>
+        </p:nvSpPr>
+        <p:spPr/>
+        <p:txBody>
+          <a:bodyPr>
+            <a:normAutofit lnSpcReduction="10000"/>
+          </a:bodyPr>
+          <a:lstStyle/>
+          <a:p>
+            <a:r>
+              <a:rPr lang="ru-RU" b="1" dirty="0" err="1" smtClean="0"/>
+              <a:t>Ініціалізація</a:t>
+            </a:r>
+            <a:r>
+              <a:rPr lang="ru-RU" b="1" dirty="0" smtClean="0"/>
+              <a:t> </a:t>
+            </a:r>
+            <a:r>
+              <a:rPr lang="ru-RU" b="1" dirty="0" err="1"/>
+              <a:t>популяції</a:t>
+            </a:r>
+            <a:r>
+              <a:rPr lang="ru-RU" b="1" dirty="0"/>
+              <a:t>:</a:t>
+            </a:r>
+            <a:endParaRPr lang="ru-RU" dirty="0"/>
+          </a:p>
+          <a:p>
+            <a:r>
+              <a:rPr lang="ru-RU" dirty="0" err="1"/>
+              <a:t>Генерується</a:t>
+            </a:r>
+            <a:r>
+              <a:rPr lang="ru-RU" dirty="0"/>
+              <a:t> </a:t>
+            </a:r>
+            <a:r>
+              <a:rPr lang="ru-RU" b="1" dirty="0" err="1"/>
+              <a:t>початковий</a:t>
+            </a:r>
+            <a:r>
+              <a:rPr lang="ru-RU" b="1" dirty="0"/>
+              <a:t> </a:t>
+            </a:r>
+            <a:r>
+              <a:rPr lang="ru-RU" b="1" dirty="0" err="1"/>
+              <a:t>набір</a:t>
+            </a:r>
+            <a:r>
+              <a:rPr lang="ru-RU" b="1" dirty="0"/>
+              <a:t> </a:t>
+            </a:r>
+            <a:r>
+              <a:rPr lang="ru-RU" b="1" dirty="0" err="1"/>
+              <a:t>рішень</a:t>
+            </a:r>
+            <a:r>
+              <a:rPr lang="ru-RU" dirty="0"/>
+              <a:t>, </a:t>
+            </a:r>
+            <a:r>
+              <a:rPr lang="ru-RU" dirty="0" err="1"/>
+              <a:t>наприклад</a:t>
+            </a:r>
+            <a:r>
+              <a:rPr lang="ru-RU" dirty="0"/>
+              <a:t>, </a:t>
+            </a:r>
+            <a:r>
+              <a:rPr lang="ru-RU" dirty="0" err="1"/>
+              <a:t>випадковим</a:t>
+            </a:r>
+            <a:r>
+              <a:rPr lang="ru-RU" dirty="0"/>
+              <a:t> </a:t>
+            </a:r>
+            <a:r>
+              <a:rPr lang="ru-RU" dirty="0" err="1"/>
+              <a:t>або</a:t>
+            </a:r>
+            <a:r>
+              <a:rPr lang="ru-RU" dirty="0"/>
+              <a:t> </a:t>
+            </a:r>
+            <a:r>
+              <a:rPr lang="ru-RU" dirty="0" err="1"/>
+              <a:t>жадібним</a:t>
+            </a:r>
+            <a:r>
+              <a:rPr lang="ru-RU" dirty="0"/>
+              <a:t> методом (</a:t>
+            </a:r>
+            <a:r>
+              <a:rPr lang="en-US" dirty="0"/>
+              <a:t>Nearest Neighbor).</a:t>
+            </a:r>
+          </a:p>
+          <a:p>
+            <a:r>
+              <a:rPr lang="ru-RU" b="1" dirty="0" err="1" smtClean="0"/>
+              <a:t>Оцінка</a:t>
+            </a:r>
+            <a:r>
+              <a:rPr lang="ru-RU" b="1" dirty="0" smtClean="0"/>
+              <a:t> </a:t>
+            </a:r>
+            <a:r>
+              <a:rPr lang="ru-RU" b="1" dirty="0" err="1"/>
+              <a:t>придатності</a:t>
+            </a:r>
+            <a:r>
+              <a:rPr lang="ru-RU" b="1" dirty="0"/>
+              <a:t> (</a:t>
+            </a:r>
+            <a:r>
+              <a:rPr lang="en-US" b="1" dirty="0"/>
+              <a:t>Fitness Function):</a:t>
+            </a:r>
+            <a:endParaRPr lang="en-US" dirty="0"/>
+          </a:p>
+          <a:p>
+            <a:r>
+              <a:rPr lang="ru-RU" dirty="0" err="1"/>
+              <a:t>Основна</a:t>
+            </a:r>
+            <a:r>
+              <a:rPr lang="ru-RU" dirty="0"/>
+              <a:t> </a:t>
+            </a:r>
+            <a:r>
+              <a:rPr lang="ru-RU" dirty="0" err="1"/>
+              <a:t>ціль</a:t>
+            </a:r>
+            <a:r>
+              <a:rPr lang="ru-RU" dirty="0"/>
+              <a:t> – </a:t>
+            </a:r>
+            <a:r>
+              <a:rPr lang="ru-RU" b="1" dirty="0" err="1"/>
+              <a:t>мінімізувати</a:t>
+            </a:r>
+            <a:r>
+              <a:rPr lang="ru-RU" b="1" dirty="0"/>
+              <a:t> </a:t>
+            </a:r>
+            <a:r>
+              <a:rPr lang="ru-RU" b="1" dirty="0" err="1"/>
+              <a:t>загальну</a:t>
+            </a:r>
+            <a:r>
+              <a:rPr lang="ru-RU" b="1" dirty="0"/>
+              <a:t> </a:t>
+            </a:r>
+            <a:r>
+              <a:rPr lang="ru-RU" b="1" dirty="0" err="1"/>
+              <a:t>вартість</a:t>
+            </a:r>
+            <a:r>
+              <a:rPr lang="ru-RU" b="1" dirty="0"/>
+              <a:t> маршруту</a:t>
+            </a:r>
+            <a:r>
+              <a:rPr lang="ru-RU" dirty="0"/>
+              <a:t> (</a:t>
+            </a:r>
+            <a:r>
+              <a:rPr lang="ru-RU" dirty="0" err="1"/>
+              <a:t>відстань</a:t>
+            </a:r>
+            <a:r>
+              <a:rPr lang="ru-RU" dirty="0"/>
+              <a:t> </a:t>
+            </a:r>
+            <a:r>
+              <a:rPr lang="ru-RU" dirty="0" err="1"/>
+              <a:t>або</a:t>
+            </a:r>
+            <a:r>
+              <a:rPr lang="ru-RU" dirty="0"/>
+              <a:t> </a:t>
+            </a:r>
+            <a:r>
+              <a:rPr lang="ru-RU" dirty="0" err="1"/>
+              <a:t>витрати</a:t>
+            </a:r>
+            <a:r>
+              <a:rPr lang="ru-RU" dirty="0"/>
+              <a:t>).</a:t>
+            </a:r>
+          </a:p>
+          <a:p>
+            <a:r>
+              <a:rPr lang="ru-RU" dirty="0" err="1"/>
+              <a:t>Враховуються</a:t>
+            </a:r>
+            <a:r>
+              <a:rPr lang="ru-RU" dirty="0"/>
+              <a:t> </a:t>
+            </a:r>
+            <a:r>
+              <a:rPr lang="ru-RU" b="1" dirty="0" err="1"/>
+              <a:t>обмеження</a:t>
+            </a:r>
+            <a:r>
+              <a:rPr lang="ru-RU" dirty="0"/>
+              <a:t>: </a:t>
+            </a:r>
+            <a:r>
+              <a:rPr lang="ru-RU" dirty="0" err="1"/>
+              <a:t>вантажопідйомність</a:t>
+            </a:r>
+            <a:r>
+              <a:rPr lang="ru-RU" dirty="0"/>
+              <a:t>, </a:t>
+            </a:r>
+            <a:r>
+              <a:rPr lang="ru-RU" dirty="0" err="1"/>
+              <a:t>часові</a:t>
+            </a:r>
+            <a:r>
+              <a:rPr lang="ru-RU" dirty="0"/>
+              <a:t> </a:t>
+            </a:r>
+            <a:r>
+              <a:rPr lang="ru-RU" dirty="0" err="1"/>
+              <a:t>вікна</a:t>
+            </a:r>
+            <a:r>
+              <a:rPr lang="ru-RU" dirty="0"/>
+              <a:t> </a:t>
+            </a:r>
+            <a:r>
+              <a:rPr lang="ru-RU" dirty="0" err="1"/>
+              <a:t>тощо</a:t>
+            </a:r>
+            <a:r>
+              <a:rPr lang="ru-RU" dirty="0"/>
+              <a:t>.</a:t>
+            </a:r>
+          </a:p>
+          <a:p>
+            <a:endParaRPr lang="en-US" dirty="0"/>
+          </a:p>
+        </p:txBody>
+      </p:sp>
+    </p:spTree>
+    <p:extLst>
+      <p:ext uri="{BB962C8B-B14F-4D97-AF65-F5344CB8AC3E}">
+        <p14:creationId xmlns:p14="http://schemas.microsoft.com/office/powerpoint/2010/main" val="2477598160"/>
+      </p:ext>
+    </p:extLst>
+  </p:cSld>
+  <p:clrMapOvr>
+    <a:masterClrMapping/>
+  </p:clrMapOvr>
+</p:sld>
+</file>
+
+<file path=ppt/slides/slide23.xml><?xml version="1.0" encoding="utf-8"?>
+<p:sld xmlns:a="http://schemas.openxmlformats.org/drawingml/2006/main" xmlns:r="http://schemas.openxmlformats.org/officeDocument/2006/relationships" xmlns:p="http://schemas.openxmlformats.org/presentationml/2006/main">
+  <p:cSld>
+    <p:spTree>
+      <p:nvGrpSpPr>
+        <p:cNvPr id="1" name=""/>
+        <p:cNvGrpSpPr/>
+        <p:nvPr/>
+      </p:nvGrpSpPr>
+      <p:grpSpPr>
+        <a:xfrm>
+          <a:off x="0" y="0"/>
+          <a:ext cx="0" cy="0"/>
+          <a:chOff x="0" y="0"/>
+          <a:chExt cx="0" cy="0"/>
+        </a:xfrm>
+      </p:grpSpPr>
+      <p:sp>
+        <p:nvSpPr>
+          <p:cNvPr id="2" name="Заголовок 1"/>
+          <p:cNvSpPr>
+            <a:spLocks noGrp="1"/>
+          </p:cNvSpPr>
+          <p:nvPr>
+            <p:ph type="title"/>
+          </p:nvPr>
+        </p:nvSpPr>
+        <p:spPr/>
+        <p:txBody>
+          <a:bodyPr/>
+          <a:lstStyle/>
+          <a:p>
+            <a:r>
+              <a:rPr lang="uk-UA" dirty="0" smtClean="0"/>
+              <a:t>Відбір</a:t>
+            </a:r>
+            <a:endParaRPr lang="en-US" dirty="0"/>
+          </a:p>
+        </p:txBody>
+      </p:sp>
+      <p:sp>
+        <p:nvSpPr>
+          <p:cNvPr id="3" name="Объект 2"/>
+          <p:cNvSpPr>
+            <a:spLocks noGrp="1"/>
+          </p:cNvSpPr>
+          <p:nvPr>
+            <p:ph idx="1"/>
+          </p:nvPr>
+        </p:nvSpPr>
+        <p:spPr/>
+        <p:txBody>
+          <a:bodyPr/>
+          <a:lstStyle/>
+          <a:p>
+            <a:r>
+              <a:rPr lang="ru-RU" b="1" dirty="0" err="1"/>
+              <a:t>Селекція</a:t>
+            </a:r>
+            <a:r>
+              <a:rPr lang="ru-RU" b="1" dirty="0"/>
+              <a:t> (</a:t>
+            </a:r>
+            <a:r>
+              <a:rPr lang="en-US" b="1" dirty="0"/>
+              <a:t>Selection):</a:t>
+            </a:r>
+            <a:endParaRPr lang="en-US" dirty="0"/>
+          </a:p>
+          <a:p>
+            <a:r>
+              <a:rPr lang="ru-RU" dirty="0" err="1"/>
+              <a:t>Обираємо</a:t>
+            </a:r>
+            <a:r>
+              <a:rPr lang="ru-RU" dirty="0"/>
+              <a:t> </a:t>
+            </a:r>
+            <a:r>
+              <a:rPr lang="ru-RU" b="1" dirty="0" err="1"/>
+              <a:t>кращі</a:t>
+            </a:r>
+            <a:r>
+              <a:rPr lang="ru-RU" b="1" dirty="0"/>
+              <a:t> </a:t>
+            </a:r>
+            <a:r>
+              <a:rPr lang="ru-RU" b="1" dirty="0" err="1"/>
+              <a:t>маршрути</a:t>
+            </a:r>
+            <a:r>
+              <a:rPr lang="ru-RU" dirty="0"/>
+              <a:t> (за </a:t>
+            </a:r>
+            <a:r>
+              <a:rPr lang="ru-RU" dirty="0" err="1"/>
+              <a:t>ймовірністю</a:t>
+            </a:r>
+            <a:r>
+              <a:rPr lang="ru-RU" dirty="0"/>
+              <a:t>, залежною </a:t>
+            </a:r>
+            <a:r>
+              <a:rPr lang="ru-RU" dirty="0" err="1"/>
+              <a:t>від</a:t>
+            </a:r>
+            <a:r>
+              <a:rPr lang="ru-RU" dirty="0"/>
+              <a:t> </a:t>
+            </a:r>
+            <a:r>
+              <a:rPr lang="ru-RU" dirty="0" err="1"/>
+              <a:t>їхньої</a:t>
+            </a:r>
+            <a:r>
+              <a:rPr lang="ru-RU" dirty="0"/>
+              <a:t> </a:t>
+            </a:r>
+            <a:r>
+              <a:rPr lang="ru-RU" dirty="0" err="1"/>
+              <a:t>якості</a:t>
+            </a:r>
+            <a:r>
+              <a:rPr lang="ru-RU" dirty="0"/>
+              <a:t>).</a:t>
+            </a:r>
+          </a:p>
+          <a:p>
+            <a:r>
+              <a:rPr lang="ru-RU" dirty="0" err="1"/>
+              <a:t>Методи</a:t>
+            </a:r>
+            <a:r>
+              <a:rPr lang="ru-RU" dirty="0"/>
+              <a:t> </a:t>
+            </a:r>
+            <a:r>
+              <a:rPr lang="ru-RU" dirty="0" err="1"/>
+              <a:t>відбору</a:t>
+            </a:r>
+            <a:r>
+              <a:rPr lang="ru-RU" dirty="0"/>
+              <a:t>:</a:t>
+            </a:r>
+          </a:p>
+          <a:p>
+            <a:pPr lvl="1"/>
+            <a:r>
+              <a:rPr lang="ru-RU" b="1" dirty="0" err="1"/>
+              <a:t>Турнірний</a:t>
+            </a:r>
+            <a:r>
+              <a:rPr lang="ru-RU" b="1" dirty="0"/>
+              <a:t> </a:t>
+            </a:r>
+            <a:r>
+              <a:rPr lang="ru-RU" b="1" dirty="0" err="1"/>
+              <a:t>відбір</a:t>
+            </a:r>
+            <a:r>
+              <a:rPr lang="ru-RU" dirty="0"/>
+              <a:t> (</a:t>
+            </a:r>
+            <a:r>
+              <a:rPr lang="en-US" dirty="0"/>
+              <a:t>Tournament Selection).</a:t>
+            </a:r>
+          </a:p>
+          <a:p>
+            <a:pPr lvl="1"/>
+            <a:r>
+              <a:rPr lang="ru-RU" b="1" dirty="0" err="1"/>
+              <a:t>Пропорційний</a:t>
+            </a:r>
+            <a:r>
+              <a:rPr lang="ru-RU" b="1" dirty="0"/>
+              <a:t> до </a:t>
+            </a:r>
+            <a:r>
+              <a:rPr lang="ru-RU" b="1" dirty="0" err="1"/>
+              <a:t>якості</a:t>
+            </a:r>
+            <a:r>
+              <a:rPr lang="ru-RU" b="1" dirty="0"/>
+              <a:t> (</a:t>
+            </a:r>
+            <a:r>
+              <a:rPr lang="en-US" b="1" dirty="0"/>
+              <a:t>Roulette Wheel Selection).</a:t>
+            </a:r>
+            <a:endParaRPr lang="en-US" dirty="0"/>
+          </a:p>
+          <a:p>
+            <a:pPr marL="0" indent="0">
+              <a:buNone/>
+            </a:pPr>
+            <a:endParaRPr lang="en-US" dirty="0"/>
+          </a:p>
+        </p:txBody>
+      </p:sp>
+    </p:spTree>
+    <p:extLst>
+      <p:ext uri="{BB962C8B-B14F-4D97-AF65-F5344CB8AC3E}">
+        <p14:creationId xmlns:p14="http://schemas.microsoft.com/office/powerpoint/2010/main" val="3378646333"/>
+      </p:ext>
+    </p:extLst>
+  </p:cSld>
+  <p:clrMapOvr>
+    <a:masterClrMapping/>
+  </p:clrMapOvr>
+</p:sld>
+</file>
+
+<file path=ppt/slides/slide24.xml><?xml version="1.0" encoding="utf-8"?>
+<p:sld xmlns:a="http://schemas.openxmlformats.org/drawingml/2006/main" xmlns:r="http://schemas.openxmlformats.org/officeDocument/2006/relationships" xmlns:p="http://schemas.openxmlformats.org/presentationml/2006/main">
+  <p:cSld>
+    <p:spTree>
+      <p:nvGrpSpPr>
+        <p:cNvPr id="1" name=""/>
+        <p:cNvGrpSpPr/>
+        <p:nvPr/>
+      </p:nvGrpSpPr>
+      <p:grpSpPr>
+        <a:xfrm>
+          <a:off x="0" y="0"/>
+          <a:ext cx="0" cy="0"/>
+          <a:chOff x="0" y="0"/>
+          <a:chExt cx="0" cy="0"/>
+        </a:xfrm>
+      </p:grpSpPr>
+      <p:sp>
+        <p:nvSpPr>
+          <p:cNvPr id="2" name="Заголовок 1"/>
+          <p:cNvSpPr>
+            <a:spLocks noGrp="1"/>
+          </p:cNvSpPr>
+          <p:nvPr>
+            <p:ph type="title"/>
+          </p:nvPr>
+        </p:nvSpPr>
+        <p:spPr/>
+        <p:txBody>
+          <a:bodyPr/>
+          <a:lstStyle/>
+          <a:p>
+            <a:r>
+              <a:rPr lang="uk-UA" dirty="0" err="1" smtClean="0"/>
+              <a:t>Кросовер</a:t>
+            </a:r>
+            <a:endParaRPr lang="en-US" dirty="0"/>
+          </a:p>
+        </p:txBody>
+      </p:sp>
+      <p:sp>
+        <p:nvSpPr>
+          <p:cNvPr id="3" name="Объект 2"/>
+          <p:cNvSpPr>
+            <a:spLocks noGrp="1"/>
+          </p:cNvSpPr>
+          <p:nvPr>
+            <p:ph idx="1"/>
+          </p:nvPr>
+        </p:nvSpPr>
+        <p:spPr/>
+        <p:txBody>
+          <a:bodyPr/>
+          <a:lstStyle/>
+          <a:p>
+            <a:r>
+              <a:rPr lang="ru-RU" b="1" dirty="0" err="1"/>
+              <a:t>Кросовер</a:t>
+            </a:r>
+            <a:r>
+              <a:rPr lang="ru-RU" b="1" dirty="0"/>
+              <a:t> (</a:t>
+            </a:r>
+            <a:r>
+              <a:rPr lang="en-US" b="1" dirty="0"/>
+              <a:t>Crossover) – </a:t>
+            </a:r>
+            <a:r>
+              <a:rPr lang="ru-RU" b="1" dirty="0" err="1"/>
+              <a:t>комбінування</a:t>
+            </a:r>
+            <a:r>
+              <a:rPr lang="ru-RU" b="1" dirty="0"/>
+              <a:t> </a:t>
+            </a:r>
+            <a:r>
+              <a:rPr lang="ru-RU" b="1" dirty="0" err="1"/>
+              <a:t>батьків</a:t>
+            </a:r>
+            <a:r>
+              <a:rPr lang="ru-RU" b="1" dirty="0"/>
+              <a:t>:</a:t>
+            </a:r>
+            <a:endParaRPr lang="ru-RU" dirty="0"/>
+          </a:p>
+          <a:p>
+            <a:r>
+              <a:rPr lang="ru-RU" dirty="0" err="1"/>
+              <a:t>Найпопулярніші</a:t>
+            </a:r>
+            <a:r>
+              <a:rPr lang="ru-RU" dirty="0"/>
+              <a:t> </a:t>
+            </a:r>
+            <a:r>
+              <a:rPr lang="ru-RU" dirty="0" err="1"/>
+              <a:t>оператори</a:t>
+            </a:r>
+            <a:r>
+              <a:rPr lang="ru-RU" dirty="0"/>
+              <a:t>:</a:t>
+            </a:r>
+          </a:p>
+          <a:p>
+            <a:pPr lvl="1"/>
+            <a:r>
+              <a:rPr lang="en-US" b="1" dirty="0"/>
+              <a:t>Ordered Crossover (OX)</a:t>
+            </a:r>
+            <a:r>
+              <a:rPr lang="en-US" dirty="0"/>
+              <a:t> – </a:t>
+            </a:r>
+            <a:r>
+              <a:rPr lang="ru-RU" dirty="0" err="1"/>
+              <a:t>зберігає</a:t>
+            </a:r>
+            <a:r>
+              <a:rPr lang="ru-RU" dirty="0"/>
+              <a:t> порядок </a:t>
+            </a:r>
+            <a:r>
+              <a:rPr lang="ru-RU" dirty="0" err="1"/>
+              <a:t>елементів</a:t>
+            </a:r>
+            <a:r>
+              <a:rPr lang="ru-RU" dirty="0"/>
+              <a:t>.</a:t>
+            </a:r>
+          </a:p>
+          <a:p>
+            <a:pPr lvl="1"/>
+            <a:r>
+              <a:rPr lang="en-US" b="1" dirty="0"/>
+              <a:t>Partially Mapped Crossover (PMX)</a:t>
+            </a:r>
+            <a:r>
+              <a:rPr lang="en-US" dirty="0"/>
+              <a:t> – </a:t>
+            </a:r>
+            <a:r>
+              <a:rPr lang="ru-RU" dirty="0" err="1"/>
+              <a:t>обмінює</a:t>
+            </a:r>
+            <a:r>
+              <a:rPr lang="ru-RU" dirty="0"/>
+              <a:t> </a:t>
+            </a:r>
+            <a:r>
+              <a:rPr lang="ru-RU" dirty="0" err="1"/>
+              <a:t>підпослідовності</a:t>
+            </a:r>
+            <a:r>
+              <a:rPr lang="ru-RU" dirty="0"/>
+              <a:t> </a:t>
+            </a:r>
+            <a:r>
+              <a:rPr lang="ru-RU" dirty="0" err="1"/>
+              <a:t>між</a:t>
+            </a:r>
+            <a:r>
+              <a:rPr lang="ru-RU" dirty="0"/>
+              <a:t> батьками</a:t>
+            </a:r>
+          </a:p>
+          <a:p>
+            <a:endParaRPr lang="en-US" dirty="0"/>
+          </a:p>
+        </p:txBody>
+      </p:sp>
+    </p:spTree>
+    <p:extLst>
+      <p:ext uri="{BB962C8B-B14F-4D97-AF65-F5344CB8AC3E}">
+        <p14:creationId xmlns:p14="http://schemas.microsoft.com/office/powerpoint/2010/main" val="1937489074"/>
+      </p:ext>
+    </p:extLst>
+  </p:cSld>
+  <p:clrMapOvr>
+    <a:masterClrMapping/>
+  </p:clrMapOvr>
+</p:sld>
+</file>
+
+<file path=ppt/slides/slide25.xml><?xml version="1.0" encoding="utf-8"?>
+<p:sld xmlns:a="http://schemas.openxmlformats.org/drawingml/2006/main" xmlns:r="http://schemas.openxmlformats.org/officeDocument/2006/relationships" xmlns:p="http://schemas.openxmlformats.org/presentationml/2006/main">
+  <p:cSld>
+    <p:spTree>
+      <p:nvGrpSpPr>
+        <p:cNvPr id="1" name=""/>
+        <p:cNvGrpSpPr/>
+        <p:nvPr/>
+      </p:nvGrpSpPr>
+      <p:grpSpPr>
+        <a:xfrm>
+          <a:off x="0" y="0"/>
+          <a:ext cx="0" cy="0"/>
+          <a:chOff x="0" y="0"/>
+          <a:chExt cx="0" cy="0"/>
+        </a:xfrm>
+      </p:grpSpPr>
+      <p:sp>
+        <p:nvSpPr>
+          <p:cNvPr id="2" name="Заголовок 1"/>
+          <p:cNvSpPr>
+            <a:spLocks noGrp="1"/>
+          </p:cNvSpPr>
+          <p:nvPr>
+            <p:ph type="title"/>
+          </p:nvPr>
+        </p:nvSpPr>
+        <p:spPr/>
+        <p:txBody>
+          <a:bodyPr/>
+          <a:lstStyle/>
+          <a:p>
+            <a:r>
+              <a:rPr lang="uk-UA" dirty="0" smtClean="0"/>
+              <a:t>Мутація</a:t>
+            </a:r>
+            <a:endParaRPr lang="en-US" dirty="0"/>
+          </a:p>
+        </p:txBody>
+      </p:sp>
+      <p:sp>
+        <p:nvSpPr>
+          <p:cNvPr id="3" name="Объект 2"/>
+          <p:cNvSpPr>
+            <a:spLocks noGrp="1"/>
+          </p:cNvSpPr>
+          <p:nvPr>
+            <p:ph idx="1"/>
+          </p:nvPr>
+        </p:nvSpPr>
+        <p:spPr/>
+        <p:txBody>
+          <a:bodyPr/>
+          <a:lstStyle/>
+          <a:p>
+            <a:pPr marL="0" indent="0">
+              <a:buNone/>
+            </a:pPr>
+            <a:r>
+              <a:rPr lang="ru-RU" b="1" dirty="0" err="1"/>
+              <a:t>Мутація</a:t>
+            </a:r>
+            <a:r>
+              <a:rPr lang="ru-RU" b="1" dirty="0"/>
+              <a:t> (</a:t>
+            </a:r>
+            <a:r>
+              <a:rPr lang="en-US" b="1" dirty="0"/>
+              <a:t>Mutation) – </a:t>
+            </a:r>
+            <a:r>
+              <a:rPr lang="ru-RU" b="1" dirty="0" err="1"/>
+              <a:t>зміна</a:t>
+            </a:r>
+            <a:r>
+              <a:rPr lang="ru-RU" b="1" dirty="0"/>
+              <a:t> маршруту:</a:t>
+            </a:r>
+            <a:endParaRPr lang="ru-RU" dirty="0"/>
+          </a:p>
+          <a:p>
+            <a:r>
+              <a:rPr lang="en-US" dirty="0"/>
+              <a:t>Swap Mutation (</a:t>
+            </a:r>
+            <a:r>
+              <a:rPr lang="ru-RU" dirty="0" err="1"/>
+              <a:t>обмін</a:t>
+            </a:r>
+            <a:r>
+              <a:rPr lang="ru-RU" dirty="0"/>
+              <a:t> </a:t>
+            </a:r>
+            <a:r>
+              <a:rPr lang="ru-RU" dirty="0" err="1"/>
+              <a:t>містами</a:t>
+            </a:r>
+            <a:r>
+              <a:rPr lang="ru-RU" dirty="0"/>
+              <a:t>).</a:t>
+            </a:r>
+          </a:p>
+          <a:p>
+            <a:r>
+              <a:rPr lang="en-US" dirty="0"/>
+              <a:t>Inversion Mutation (</a:t>
+            </a:r>
+            <a:r>
+              <a:rPr lang="ru-RU" dirty="0"/>
+              <a:t>реверс </a:t>
+            </a:r>
+            <a:r>
+              <a:rPr lang="ru-RU" dirty="0" err="1"/>
+              <a:t>підпослідовності</a:t>
+            </a:r>
+            <a:r>
+              <a:rPr lang="ru-RU" dirty="0"/>
+              <a:t>, аналог 2-</a:t>
+            </a:r>
+            <a:r>
+              <a:rPr lang="en-US" dirty="0"/>
+              <a:t>Opt).</a:t>
+            </a:r>
+          </a:p>
+          <a:p>
+            <a:r>
+              <a:rPr lang="en-US" dirty="0"/>
+              <a:t>Insertion Mutation (</a:t>
+            </a:r>
+            <a:r>
+              <a:rPr lang="ru-RU" dirty="0"/>
+              <a:t>перестановка одного </a:t>
+            </a:r>
+            <a:r>
+              <a:rPr lang="ru-RU" dirty="0" err="1"/>
+              <a:t>клієнта</a:t>
+            </a:r>
+            <a:r>
+              <a:rPr lang="ru-RU" dirty="0"/>
+              <a:t>).</a:t>
+            </a:r>
+          </a:p>
+          <a:p>
+            <a:endParaRPr lang="en-US" dirty="0"/>
+          </a:p>
+        </p:txBody>
+      </p:sp>
+    </p:spTree>
+    <p:extLst>
+      <p:ext uri="{BB962C8B-B14F-4D97-AF65-F5344CB8AC3E}">
+        <p14:creationId xmlns:p14="http://schemas.microsoft.com/office/powerpoint/2010/main" val="192737644"/>
+      </p:ext>
+    </p:extLst>
+  </p:cSld>
+  <p:clrMapOvr>
+    <a:masterClrMapping/>
+  </p:clrMapOvr>
+</p:sld>
+</file>
+
+<file path=ppt/slides/slide26.xml><?xml version="1.0" encoding="utf-8"?>
+<p:sld xmlns:a="http://schemas.openxmlformats.org/drawingml/2006/main" xmlns:r="http://schemas.openxmlformats.org/officeDocument/2006/relationships" xmlns:p="http://schemas.openxmlformats.org/presentationml/2006/main">
+  <p:cSld>
+    <p:spTree>
+      <p:nvGrpSpPr>
+        <p:cNvPr id="1" name=""/>
+        <p:cNvGrpSpPr/>
+        <p:nvPr/>
+      </p:nvGrpSpPr>
+      <p:grpSpPr>
+        <a:xfrm>
+          <a:off x="0" y="0"/>
+          <a:ext cx="0" cy="0"/>
+          <a:chOff x="0" y="0"/>
+          <a:chExt cx="0" cy="0"/>
+        </a:xfrm>
+      </p:grpSpPr>
+      <p:sp>
+        <p:nvSpPr>
+          <p:cNvPr id="2" name="Заголовок 1"/>
+          <p:cNvSpPr>
+            <a:spLocks noGrp="1"/>
+          </p:cNvSpPr>
+          <p:nvPr>
+            <p:ph type="title"/>
+          </p:nvPr>
+        </p:nvSpPr>
+        <p:spPr/>
+        <p:txBody>
+          <a:bodyPr/>
+          <a:lstStyle/>
+          <a:p>
+            <a:r>
+              <a:rPr lang="uk-UA" dirty="0" smtClean="0"/>
+              <a:t>Цикл</a:t>
+            </a:r>
+            <a:endParaRPr lang="en-US" dirty="0"/>
+          </a:p>
+        </p:txBody>
+      </p:sp>
+      <p:sp>
+        <p:nvSpPr>
+          <p:cNvPr id="3" name="Объект 2"/>
+          <p:cNvSpPr>
+            <a:spLocks noGrp="1"/>
+          </p:cNvSpPr>
+          <p:nvPr>
+            <p:ph idx="1"/>
+          </p:nvPr>
+        </p:nvSpPr>
+        <p:spPr/>
+        <p:txBody>
+          <a:bodyPr/>
+          <a:lstStyle/>
+          <a:p>
+            <a:pPr marL="0" indent="0">
+              <a:buNone/>
+            </a:pPr>
+            <a:r>
+              <a:rPr lang="ru-RU" b="1" dirty="0" err="1" smtClean="0"/>
+              <a:t>Заміна</a:t>
+            </a:r>
+            <a:r>
+              <a:rPr lang="ru-RU" b="1" dirty="0" smtClean="0"/>
+              <a:t> </a:t>
+            </a:r>
+            <a:r>
+              <a:rPr lang="ru-RU" b="1" dirty="0"/>
+              <a:t>(</a:t>
+            </a:r>
+            <a:r>
+              <a:rPr lang="en-US" b="1" dirty="0"/>
+              <a:t>Replacement):</a:t>
+            </a:r>
+            <a:endParaRPr lang="en-US" dirty="0"/>
+          </a:p>
+          <a:p>
+            <a:r>
+              <a:rPr lang="ru-RU" dirty="0" err="1"/>
+              <a:t>Формується</a:t>
+            </a:r>
+            <a:r>
+              <a:rPr lang="ru-RU" dirty="0"/>
+              <a:t> </a:t>
+            </a:r>
+            <a:r>
+              <a:rPr lang="ru-RU" b="1" dirty="0"/>
+              <a:t>нова </a:t>
+            </a:r>
+            <a:r>
+              <a:rPr lang="ru-RU" b="1" dirty="0" err="1"/>
+              <a:t>популяція</a:t>
+            </a:r>
+            <a:r>
+              <a:rPr lang="ru-RU" dirty="0"/>
+              <a:t>, </a:t>
+            </a:r>
+            <a:r>
+              <a:rPr lang="ru-RU" dirty="0" err="1"/>
+              <a:t>замінюючи</a:t>
+            </a:r>
+            <a:r>
+              <a:rPr lang="ru-RU" dirty="0"/>
+              <a:t> </a:t>
+            </a:r>
+            <a:r>
+              <a:rPr lang="ru-RU" dirty="0" err="1"/>
+              <a:t>старі</a:t>
+            </a:r>
+            <a:r>
+              <a:rPr lang="ru-RU" dirty="0"/>
+              <a:t> </a:t>
+            </a:r>
+            <a:r>
+              <a:rPr lang="ru-RU" dirty="0" err="1"/>
+              <a:t>рішення</a:t>
+            </a:r>
+            <a:r>
+              <a:rPr lang="ru-RU" dirty="0"/>
+              <a:t>.</a:t>
+            </a:r>
+          </a:p>
+          <a:p>
+            <a:pPr marL="0" indent="0">
+              <a:buNone/>
+            </a:pPr>
+            <a:r>
+              <a:rPr lang="ru-RU" b="1" dirty="0" err="1" smtClean="0"/>
+              <a:t>Завершення</a:t>
+            </a:r>
+            <a:r>
+              <a:rPr lang="ru-RU" b="1" dirty="0" smtClean="0"/>
+              <a:t> </a:t>
+            </a:r>
+            <a:r>
+              <a:rPr lang="ru-RU" b="1" dirty="0"/>
+              <a:t>алгоритму:</a:t>
+            </a:r>
+            <a:endParaRPr lang="ru-RU" dirty="0"/>
+          </a:p>
+          <a:p>
+            <a:r>
+              <a:rPr lang="ru-RU" dirty="0" err="1"/>
+              <a:t>Критерій</a:t>
+            </a:r>
+            <a:r>
+              <a:rPr lang="ru-RU" dirty="0"/>
+              <a:t> </a:t>
+            </a:r>
+            <a:r>
+              <a:rPr lang="ru-RU" dirty="0" err="1"/>
+              <a:t>зупинки</a:t>
+            </a:r>
+            <a:r>
+              <a:rPr lang="ru-RU" dirty="0"/>
+              <a:t>: </a:t>
+            </a:r>
+            <a:r>
+              <a:rPr lang="ru-RU" b="1" dirty="0" err="1"/>
+              <a:t>фіксована</a:t>
+            </a:r>
+            <a:r>
+              <a:rPr lang="ru-RU" b="1" dirty="0"/>
+              <a:t> </a:t>
+            </a:r>
+            <a:r>
+              <a:rPr lang="ru-RU" b="1" dirty="0" err="1"/>
+              <a:t>кількість</a:t>
+            </a:r>
+            <a:r>
+              <a:rPr lang="ru-RU" b="1" dirty="0"/>
+              <a:t> </a:t>
+            </a:r>
+            <a:r>
+              <a:rPr lang="ru-RU" b="1" dirty="0" err="1"/>
+              <a:t>поколінь</a:t>
+            </a:r>
+            <a:r>
+              <a:rPr lang="ru-RU" b="1" dirty="0"/>
+              <a:t> </a:t>
+            </a:r>
+            <a:r>
+              <a:rPr lang="ru-RU" b="1" dirty="0" err="1"/>
+              <a:t>або</a:t>
+            </a:r>
+            <a:r>
+              <a:rPr lang="ru-RU" b="1" dirty="0"/>
+              <a:t> </a:t>
+            </a:r>
+            <a:r>
+              <a:rPr lang="ru-RU" b="1" dirty="0" err="1"/>
+              <a:t>відсутність</a:t>
+            </a:r>
+            <a:r>
+              <a:rPr lang="ru-RU" b="1" dirty="0"/>
+              <a:t> </a:t>
+            </a:r>
+            <a:r>
+              <a:rPr lang="ru-RU" b="1" dirty="0" err="1"/>
+              <a:t>покращень</a:t>
+            </a:r>
+            <a:r>
+              <a:rPr lang="ru-RU" dirty="0"/>
+              <a:t>.</a:t>
+            </a:r>
+          </a:p>
+          <a:p>
+            <a:endParaRPr lang="en-US" dirty="0"/>
+          </a:p>
+        </p:txBody>
+      </p:sp>
+    </p:spTree>
+    <p:extLst>
+      <p:ext uri="{BB962C8B-B14F-4D97-AF65-F5344CB8AC3E}">
+        <p14:creationId xmlns:p14="http://schemas.microsoft.com/office/powerpoint/2010/main" val="3796460926"/>
       </p:ext>
     </p:extLst>
   </p:cSld>
@@ -12844,6 +14538,10 @@
           <a:bodyPr/>
           <a:lstStyle/>
           <a:p>
+            <a:r>
+              <a:rPr lang="uk-UA" dirty="0" smtClean="0"/>
+              <a:t>Формулювання</a:t>
+            </a:r>
             <a:endParaRPr lang="en-US" dirty="0"/>
           </a:p>
         </p:txBody>
@@ -15684,7 +17382,11 @@
           <a:bodyPr/>
           <a:lstStyle/>
           <a:p>
-            <a:endParaRPr lang="en-US"/>
+            <a:r>
+              <a:rPr lang="uk-UA" dirty="0" smtClean="0"/>
+              <a:t>Параметри</a:t>
+            </a:r>
+            <a:endParaRPr lang="en-US" dirty="0"/>
           </a:p>
         </p:txBody>
       </p:sp>
@@ -16477,7 +18179,11 @@
           <a:bodyPr/>
           <a:lstStyle/>
           <a:p>
-            <a:endParaRPr lang="en-US"/>
+            <a:r>
+              <a:rPr lang="uk-UA" dirty="0" smtClean="0"/>
+              <a:t>Цільова функція</a:t>
+            </a:r>
+            <a:endParaRPr lang="en-US" dirty="0"/>
           </a:p>
         </p:txBody>
       </p:sp>
